--- a/NAN MUDHALVAN PPT FINAL PROJECT.pptx
+++ b/NAN MUDHALVAN PPT FINAL PROJECT.pptx
@@ -121,7 +121,7 @@
   </p:defaultTextStyle>
   <p:extLst>
     <p:ext uri="{EFAFB233-063F-42B5-8137-9DF3F51BA10A}">
-      <p15:sldGuideLst xmlns:p15="http://schemas.microsoft.com/office/powerpoint/2012/main" xmlns="">
+      <p15:sldGuideLst xmlns:p15="http://schemas.microsoft.com/office/powerpoint/2012/main">
         <p15:guide id="1" orient="horz" pos="2880">
           <p15:clr>
             <a:srgbClr val="A4A3A4"/>
@@ -138,39 +138,10 @@
 </p:presentation>
 </file>
 
-<file path=ppt/changesInfos/changesInfo1.xml><?xml version="1.0" encoding="utf-8"?>
-<pc:chgInfo xmlns:a="http://schemas.openxmlformats.org/drawingml/2006/main" xmlns:r="http://schemas.openxmlformats.org/officeDocument/2006/relationships" xmlns:ac="http://schemas.microsoft.com/office/drawing/2013/main/command" xmlns:pc="http://schemas.microsoft.com/office/powerpoint/2013/main/command">
-  <pc:docChgLst>
-    <pc:chgData name="Konduru Narasimha" userId="bd3f5b018a89079d" providerId="LiveId" clId="{69F0B7B8-A48D-48FD-8D34-6509FC35AB36}"/>
-    <pc:docChg chg="modSld">
-      <pc:chgData name="Konduru Narasimha" userId="bd3f5b018a89079d" providerId="LiveId" clId="{69F0B7B8-A48D-48FD-8D34-6509FC35AB36}" dt="2024-03-30T14:42:22.571" v="0" actId="1076"/>
-      <pc:docMkLst>
-        <pc:docMk/>
-      </pc:docMkLst>
-      <pc:sldChg chg="modSp mod">
-        <pc:chgData name="Konduru Narasimha" userId="bd3f5b018a89079d" providerId="LiveId" clId="{69F0B7B8-A48D-48FD-8D34-6509FC35AB36}" dt="2024-03-30T14:42:22.571" v="0" actId="1076"/>
-        <pc:sldMkLst>
-          <pc:docMk/>
-          <pc:sldMk cId="0" sldId="265"/>
-        </pc:sldMkLst>
-        <pc:picChg chg="mod">
-          <ac:chgData name="Konduru Narasimha" userId="bd3f5b018a89079d" providerId="LiveId" clId="{69F0B7B8-A48D-48FD-8D34-6509FC35AB36}" dt="2024-03-30T14:42:22.571" v="0" actId="1076"/>
-          <ac:picMkLst>
-            <pc:docMk/>
-            <pc:sldMk cId="0" sldId="265"/>
-            <ac:picMk id="13" creationId="{FEA2EDFA-59A4-12BC-EED8-7AFB8BE2180E}"/>
-          </ac:picMkLst>
-        </pc:picChg>
-      </pc:sldChg>
-    </pc:docChg>
-  </pc:docChgLst>
-</pc:chgInfo>
-</file>
-
 <file path=ppt/charts/chart1.xml><?xml version="1.0" encoding="utf-8"?>
-<c:chartSpace xmlns:c="http://schemas.openxmlformats.org/drawingml/2006/chart" xmlns:a="http://schemas.openxmlformats.org/drawingml/2006/main" xmlns:r="http://schemas.openxmlformats.org/officeDocument/2006/relationships">
+<c:chartSpace xmlns:c="http://schemas.openxmlformats.org/drawingml/2006/chart" xmlns:a="http://schemas.openxmlformats.org/drawingml/2006/main" xmlns:r="http://schemas.openxmlformats.org/officeDocument/2006/relationships" xmlns:c16r2="http://schemas.microsoft.com/office/drawing/2015/06/chart">
   <c:date1904 val="0"/>
-  <c:lang val="en-IN"/>
+  <c:lang val="en-GB"/>
   <c:roundedCorners val="0"/>
   <mc:AlternateContent xmlns:mc="http://schemas.openxmlformats.org/markup-compatibility/2006">
     <mc:Choice xmlns:c14="http://schemas.microsoft.com/office/drawing/2007/8/2/chart" Requires="c14">
@@ -314,6 +285,11 @@
               </c:pt>
             </c:numLit>
           </c:val>
+          <c:extLst>
+            <c:ext xmlns:c16="http://schemas.microsoft.com/office/drawing/2014/chart" uri="{C3380CC4-5D6E-409C-BE32-E72D297353CC}">
+              <c16:uniqueId val="{00000000-C6C9-174D-BEA9-82A167D209FE}"/>
+            </c:ext>
+          </c:extLst>
         </c:ser>
         <c:ser>
           <c:idx val="1"/>
@@ -431,6 +407,11 @@
               </c:pt>
             </c:numLit>
           </c:val>
+          <c:extLst>
+            <c:ext xmlns:c16="http://schemas.microsoft.com/office/drawing/2014/chart" uri="{C3380CC4-5D6E-409C-BE32-E72D297353CC}">
+              <c16:uniqueId val="{00000001-C6C9-174D-BEA9-82A167D209FE}"/>
+            </c:ext>
+          </c:extLst>
         </c:ser>
         <c:ser>
           <c:idx val="2"/>
@@ -548,6 +529,11 @@
               </c:pt>
             </c:numLit>
           </c:val>
+          <c:extLst>
+            <c:ext xmlns:c16="http://schemas.microsoft.com/office/drawing/2014/chart" uri="{C3380CC4-5D6E-409C-BE32-E72D297353CC}">
+              <c16:uniqueId val="{00000002-C6C9-174D-BEA9-82A167D209FE}"/>
+            </c:ext>
+          </c:extLst>
         </c:ser>
         <c:dLbls>
           <c:showLegendKey val="0"/>
@@ -823,7 +809,7 @@
           <a:p>
             <a:fld id="{84B86612-B127-4CD0-BF15-66D49A7175F7}" type="datetimeFigureOut">
               <a:rPr lang="en-IN" smtClean="0"/>
-              <a:t>31-08-2024</a:t>
+              <a:t>04-09-2024</a:t>
             </a:fld>
             <a:endParaRPr lang="en-IN"/>
           </a:p>
@@ -1303,7 +1289,7 @@
           <a:bodyPr/>
           <a:lstStyle/>
           <a:p>
-            <a:endParaRPr lang="en-US" baseline="0" dirty="0" smtClean="0"/>
+            <a:endParaRPr lang="en-US" baseline="0" dirty="0"/>
           </a:p>
         </p:txBody>
       </p:sp>
@@ -1488,7 +1474,7 @@
           <a:p>
             <a:fld id="{1D8BD707-D9CF-40AE-B4C6-C98DA3205C09}" type="datetimeFigureOut">
               <a:rPr lang="en-US"/>
-              <a:t>8/31/2024</a:t>
+              <a:t>9/4/2024</a:t>
             </a:fld>
             <a:endParaRPr lang="en-US"/>
           </a:p>
@@ -1668,7 +1654,7 @@
           <a:p>
             <a:fld id="{1D8BD707-D9CF-40AE-B4C6-C98DA3205C09}" type="datetimeFigureOut">
               <a:rPr lang="en-US"/>
-              <a:t>8/31/2024</a:t>
+              <a:t>9/4/2024</a:t>
             </a:fld>
             <a:endParaRPr lang="en-US"/>
           </a:p>
@@ -1891,7 +1877,7 @@
           <a:p>
             <a:fld id="{1D8BD707-D9CF-40AE-B4C6-C98DA3205C09}" type="datetimeFigureOut">
               <a:rPr lang="en-US"/>
-              <a:t>8/31/2024</a:t>
+              <a:t>9/4/2024</a:t>
             </a:fld>
             <a:endParaRPr lang="en-US"/>
           </a:p>
@@ -2048,7 +2034,7 @@
           <a:p>
             <a:fld id="{1D8BD707-D9CF-40AE-B4C6-C98DA3205C09}" type="datetimeFigureOut">
               <a:rPr lang="en-US"/>
-              <a:t>8/31/2024</a:t>
+              <a:t>9/4/2024</a:t>
             </a:fld>
             <a:endParaRPr lang="en-US"/>
           </a:p>
@@ -2176,7 +2162,7 @@
           <a:p>
             <a:fld id="{1D8BD707-D9CF-40AE-B4C6-C98DA3205C09}" type="datetimeFigureOut">
               <a:rPr lang="en-US"/>
-              <a:t>8/31/2024</a:t>
+              <a:t>9/4/2024</a:t>
             </a:fld>
             <a:endParaRPr lang="en-US"/>
           </a:p>
@@ -2895,7 +2881,7 @@
           <a:p>
             <a:fld id="{1D8BD707-D9CF-40AE-B4C6-C98DA3205C09}" type="datetimeFigureOut">
               <a:rPr lang="en-US"/>
-              <a:t>8/31/2024</a:t>
+              <a:t>9/4/2024</a:t>
             </a:fld>
             <a:endParaRPr lang="en-US"/>
           </a:p>
@@ -3413,16 +3399,6 @@
               </a:rPr>
               <a:t> </a:t>
             </a:r>
-            <a:r>
-              <a:rPr lang="en-US" b="1" i="0" dirty="0">
-                <a:solidFill>
-                  <a:srgbClr val="0F0F0F"/>
-                </a:solidFill>
-                <a:effectLst/>
-                <a:latin typeface="Roboto" panose="020F0502020204030204" pitchFamily="2" charset="0"/>
-              </a:rPr>
-              <a:t/>
-            </a:r>
             <a:br>
               <a:rPr lang="en-US" b="1" i="0" dirty="0">
                 <a:solidFill>
@@ -3500,7 +3476,7 @@
           <p:cNvPr id="14" name="TextBox 13">
             <a:extLst>
               <a:ext uri="{FF2B5EF4-FFF2-40B4-BE49-F238E27FC236}">
-                <a16:creationId xmlns:a16="http://schemas.microsoft.com/office/drawing/2014/main" xmlns="" id="{D55ADE35-C35B-07C1-F5AA-C33B3DDB802E}"/>
+                <a16:creationId xmlns:a16="http://schemas.microsoft.com/office/drawing/2014/main" id="{D55ADE35-C35B-07C1-F5AA-C33B3DDB802E}"/>
               </a:ext>
             </a:extLst>
           </p:cNvPr>
@@ -3525,46 +3501,40 @@
           <a:p>
             <a:r>
               <a:rPr lang="en-US" sz="2400" b="1" dirty="0"/>
-              <a:t>STUDENT NAME</a:t>
-            </a:r>
-            <a:r>
-              <a:rPr lang="en-US" sz="2400" b="1" dirty="0" smtClean="0"/>
-              <a:t>: V.PRIYADHARSHINI</a:t>
+              <a:t>STUDENT NAME: </a:t>
+            </a:r>
+            <a:r>
+              <a:rPr lang="en-GB" sz="2400" b="1" dirty="0"/>
+              <a:t>M.PUJITHA</a:t>
             </a:r>
             <a:endParaRPr lang="en-US" sz="2400" b="1" dirty="0"/>
           </a:p>
           <a:p>
             <a:r>
               <a:rPr lang="en-US" sz="2400" b="1" dirty="0"/>
-              <a:t>REGISTER </a:t>
-            </a:r>
-            <a:r>
-              <a:rPr lang="en-US" sz="2400" b="1" dirty="0" smtClean="0"/>
-              <a:t>NO:312204825</a:t>
+              <a:t>REGISTER NO:31220482</a:t>
+            </a:r>
+            <a:r>
+              <a:rPr lang="en-GB" sz="2400" b="1" dirty="0"/>
+              <a:t>6</a:t>
             </a:r>
             <a:endParaRPr lang="en-US" sz="2400" b="1" dirty="0"/>
           </a:p>
           <a:p>
             <a:r>
               <a:rPr lang="en-US" sz="2400" b="1" dirty="0"/>
-              <a:t>DEPARTMENT</a:t>
-            </a:r>
-            <a:r>
-              <a:rPr lang="en-US" sz="2400" b="1" dirty="0" smtClean="0"/>
-              <a:t>: B.COM GENERAL</a:t>
-            </a:r>
-            <a:endParaRPr lang="en-US" sz="2400" b="1" dirty="0"/>
-          </a:p>
-          <a:p>
-            <a:r>
-              <a:rPr lang="en-US" sz="2400" b="1" dirty="0" smtClean="0"/>
+              <a:t>DEPARTMENT: B.COM GENERAL</a:t>
+            </a:r>
+          </a:p>
+          <a:p>
+            <a:r>
+              <a:rPr lang="en-US" sz="2400" b="1" dirty="0"/>
               <a:t>COLLEGE : THIRUMURUGAN ART AND SCIENCE COLLEGE FOR</a:t>
             </a:r>
-            <a:endParaRPr lang="en-US" sz="2400" b="1" dirty="0"/>
-          </a:p>
-          <a:p>
-            <a:r>
-              <a:rPr lang="en-US" sz="2400" b="1" dirty="0" smtClean="0"/>
+          </a:p>
+          <a:p>
+            <a:r>
+              <a:rPr lang="en-US" sz="2400" b="1" dirty="0"/>
               <a:t>WOMEN                                                                                                                      NAN MUDHALVAN ID :</a:t>
             </a:r>
             <a:endParaRPr lang="en-IN" sz="2400" b="1" dirty="0"/>
@@ -3878,7 +3848,7 @@
           <a:lstStyle/>
           <a:p>
             <a:r>
-              <a:rPr lang="en-US" sz="3600" b="1" dirty="0" smtClean="0"/>
+              <a:rPr lang="en-US" sz="3600" b="1" dirty="0"/>
               <a:t>1 . DATA COLLECTION                                                           2 . DATA CLEANING                                                               3.TECHNIQUES                                                                  i. Filter – missing values                                                                                             ii. Topic – identify a topic                                             iii. Clearing – blank values                                                            4. PIVOT TABLE                                                                      5. CHART GRAPHS</a:t>
             </a:r>
             <a:endParaRPr lang="en-IN" sz="3600" dirty="0"/>
@@ -4211,15 +4181,69 @@
             <a:tbl>
               <a:tblPr/>
               <a:tblGrid>
-                <a:gridCol w="698500"/>
-                <a:gridCol w="698500"/>
-                <a:gridCol w="698500"/>
-                <a:gridCol w="698500"/>
-                <a:gridCol w="698500"/>
-                <a:gridCol w="698500"/>
-                <a:gridCol w="1371600"/>
-                <a:gridCol w="25400"/>
-                <a:gridCol w="2508250"/>
+                <a:gridCol w="698500">
+                  <a:extLst>
+                    <a:ext uri="{9D8B030D-6E8A-4147-A177-3AD203B41FA5}">
+                      <a16:colId xmlns:a16="http://schemas.microsoft.com/office/drawing/2014/main" val="20000"/>
+                    </a:ext>
+                  </a:extLst>
+                </a:gridCol>
+                <a:gridCol w="698500">
+                  <a:extLst>
+                    <a:ext uri="{9D8B030D-6E8A-4147-A177-3AD203B41FA5}">
+                      <a16:colId xmlns:a16="http://schemas.microsoft.com/office/drawing/2014/main" val="20001"/>
+                    </a:ext>
+                  </a:extLst>
+                </a:gridCol>
+                <a:gridCol w="698500">
+                  <a:extLst>
+                    <a:ext uri="{9D8B030D-6E8A-4147-A177-3AD203B41FA5}">
+                      <a16:colId xmlns:a16="http://schemas.microsoft.com/office/drawing/2014/main" val="20002"/>
+                    </a:ext>
+                  </a:extLst>
+                </a:gridCol>
+                <a:gridCol w="698500">
+                  <a:extLst>
+                    <a:ext uri="{9D8B030D-6E8A-4147-A177-3AD203B41FA5}">
+                      <a16:colId xmlns:a16="http://schemas.microsoft.com/office/drawing/2014/main" val="20003"/>
+                    </a:ext>
+                  </a:extLst>
+                </a:gridCol>
+                <a:gridCol w="698500">
+                  <a:extLst>
+                    <a:ext uri="{9D8B030D-6E8A-4147-A177-3AD203B41FA5}">
+                      <a16:colId xmlns:a16="http://schemas.microsoft.com/office/drawing/2014/main" val="20004"/>
+                    </a:ext>
+                  </a:extLst>
+                </a:gridCol>
+                <a:gridCol w="698500">
+                  <a:extLst>
+                    <a:ext uri="{9D8B030D-6E8A-4147-A177-3AD203B41FA5}">
+                      <a16:colId xmlns:a16="http://schemas.microsoft.com/office/drawing/2014/main" val="20005"/>
+                    </a:ext>
+                  </a:extLst>
+                </a:gridCol>
+                <a:gridCol w="1371600">
+                  <a:extLst>
+                    <a:ext uri="{9D8B030D-6E8A-4147-A177-3AD203B41FA5}">
+                      <a16:colId xmlns:a16="http://schemas.microsoft.com/office/drawing/2014/main" val="20006"/>
+                    </a:ext>
+                  </a:extLst>
+                </a:gridCol>
+                <a:gridCol w="25400">
+                  <a:extLst>
+                    <a:ext uri="{9D8B030D-6E8A-4147-A177-3AD203B41FA5}">
+                      <a16:colId xmlns:a16="http://schemas.microsoft.com/office/drawing/2014/main" val="20007"/>
+                    </a:ext>
+                  </a:extLst>
+                </a:gridCol>
+                <a:gridCol w="2508250">
+                  <a:extLst>
+                    <a:ext uri="{9D8B030D-6E8A-4147-A177-3AD203B41FA5}">
+                      <a16:colId xmlns:a16="http://schemas.microsoft.com/office/drawing/2014/main" val="20008"/>
+                    </a:ext>
+                  </a:extLst>
+                </a:gridCol>
               </a:tblGrid>
               <a:tr h="190500">
                 <a:tc>
@@ -4492,6 +4516,11 @@
                     </a:lnB>
                   </a:tcPr>
                 </a:tc>
+                <a:extLst>
+                  <a:ext uri="{0D108BD9-81ED-4DB2-BD59-A6C34878D82A}">
+                    <a16:rowId xmlns:a16="http://schemas.microsoft.com/office/drawing/2014/main" val="10000"/>
+                  </a:ext>
+                </a:extLst>
               </a:tr>
               <a:tr h="190500">
                 <a:tc>
@@ -4764,6 +4793,11 @@
                     </a:lnB>
                   </a:tcPr>
                 </a:tc>
+                <a:extLst>
+                  <a:ext uri="{0D108BD9-81ED-4DB2-BD59-A6C34878D82A}">
+                    <a16:rowId xmlns:a16="http://schemas.microsoft.com/office/drawing/2014/main" val="10001"/>
+                  </a:ext>
+                </a:extLst>
               </a:tr>
               <a:tr h="190500">
                 <a:tc>
@@ -5036,6 +5070,11 @@
                     </a:lnB>
                   </a:tcPr>
                 </a:tc>
+                <a:extLst>
+                  <a:ext uri="{0D108BD9-81ED-4DB2-BD59-A6C34878D82A}">
+                    <a16:rowId xmlns:a16="http://schemas.microsoft.com/office/drawing/2014/main" val="10002"/>
+                  </a:ext>
+                </a:extLst>
               </a:tr>
               <a:tr h="190500">
                 <a:tc>
@@ -5308,6 +5347,11 @@
                     </a:lnB>
                   </a:tcPr>
                 </a:tc>
+                <a:extLst>
+                  <a:ext uri="{0D108BD9-81ED-4DB2-BD59-A6C34878D82A}">
+                    <a16:rowId xmlns:a16="http://schemas.microsoft.com/office/drawing/2014/main" val="10003"/>
+                  </a:ext>
+                </a:extLst>
               </a:tr>
               <a:tr h="190500">
                 <a:tc>
@@ -5580,6 +5624,11 @@
                     </a:lnB>
                   </a:tcPr>
                 </a:tc>
+                <a:extLst>
+                  <a:ext uri="{0D108BD9-81ED-4DB2-BD59-A6C34878D82A}">
+                    <a16:rowId xmlns:a16="http://schemas.microsoft.com/office/drawing/2014/main" val="10004"/>
+                  </a:ext>
+                </a:extLst>
               </a:tr>
               <a:tr h="190500">
                 <a:tc>
@@ -5852,6 +5901,11 @@
                     </a:lnB>
                   </a:tcPr>
                 </a:tc>
+                <a:extLst>
+                  <a:ext uri="{0D108BD9-81ED-4DB2-BD59-A6C34878D82A}">
+                    <a16:rowId xmlns:a16="http://schemas.microsoft.com/office/drawing/2014/main" val="10005"/>
+                  </a:ext>
+                </a:extLst>
               </a:tr>
               <a:tr h="2965162">
                 <a:tc>
@@ -6124,6 +6178,11 @@
                     </a:lnB>
                   </a:tcPr>
                 </a:tc>
+                <a:extLst>
+                  <a:ext uri="{0D108BD9-81ED-4DB2-BD59-A6C34878D82A}">
+                    <a16:rowId xmlns:a16="http://schemas.microsoft.com/office/drawing/2014/main" val="10006"/>
+                  </a:ext>
+                </a:extLst>
               </a:tr>
               <a:tr h="190500">
                 <a:tc>
@@ -6396,6 +6455,11 @@
                     </a:lnB>
                   </a:tcPr>
                 </a:tc>
+                <a:extLst>
+                  <a:ext uri="{0D108BD9-81ED-4DB2-BD59-A6C34878D82A}">
+                    <a16:rowId xmlns:a16="http://schemas.microsoft.com/office/drawing/2014/main" val="10007"/>
+                  </a:ext>
+                </a:extLst>
               </a:tr>
               <a:tr h="190500">
                 <a:tc>
@@ -6668,6 +6732,11 @@
                     </a:lnB>
                   </a:tcPr>
                 </a:tc>
+                <a:extLst>
+                  <a:ext uri="{0D108BD9-81ED-4DB2-BD59-A6C34878D82A}">
+                    <a16:rowId xmlns:a16="http://schemas.microsoft.com/office/drawing/2014/main" val="10008"/>
+                  </a:ext>
+                </a:extLst>
               </a:tr>
               <a:tr h="190500">
                 <a:tc>
@@ -6940,6 +7009,11 @@
                     </a:lnB>
                   </a:tcPr>
                 </a:tc>
+                <a:extLst>
+                  <a:ext uri="{0D108BD9-81ED-4DB2-BD59-A6C34878D82A}">
+                    <a16:rowId xmlns:a16="http://schemas.microsoft.com/office/drawing/2014/main" val="10009"/>
+                  </a:ext>
+                </a:extLst>
               </a:tr>
               <a:tr h="190500">
                 <a:tc>
@@ -7212,6 +7286,11 @@
                     </a:lnB>
                   </a:tcPr>
                 </a:tc>
+                <a:extLst>
+                  <a:ext uri="{0D108BD9-81ED-4DB2-BD59-A6C34878D82A}">
+                    <a16:rowId xmlns:a16="http://schemas.microsoft.com/office/drawing/2014/main" val="10010"/>
+                  </a:ext>
+                </a:extLst>
               </a:tr>
               <a:tr h="190500">
                 <a:tc>
@@ -7484,6 +7563,11 @@
                     </a:lnB>
                   </a:tcPr>
                 </a:tc>
+                <a:extLst>
+                  <a:ext uri="{0D108BD9-81ED-4DB2-BD59-A6C34878D82A}">
+                    <a16:rowId xmlns:a16="http://schemas.microsoft.com/office/drawing/2014/main" val="10011"/>
+                  </a:ext>
+                </a:extLst>
               </a:tr>
               <a:tr h="190500">
                 <a:tc>
@@ -7756,6 +7840,11 @@
                     </a:lnB>
                   </a:tcPr>
                 </a:tc>
+                <a:extLst>
+                  <a:ext uri="{0D108BD9-81ED-4DB2-BD59-A6C34878D82A}">
+                    <a16:rowId xmlns:a16="http://schemas.microsoft.com/office/drawing/2014/main" val="10012"/>
+                  </a:ext>
+                </a:extLst>
               </a:tr>
               <a:tr h="1016794">
                 <a:tc>
@@ -8028,6 +8117,11 @@
                     </a:lnB>
                   </a:tcPr>
                 </a:tc>
+                <a:extLst>
+                  <a:ext uri="{0D108BD9-81ED-4DB2-BD59-A6C34878D82A}">
+                    <a16:rowId xmlns:a16="http://schemas.microsoft.com/office/drawing/2014/main" val="10013"/>
+                  </a:ext>
+                </a:extLst>
               </a:tr>
               <a:tr h="190500">
                 <a:tc>
@@ -8300,6 +8394,11 @@
                     </a:lnB>
                   </a:tcPr>
                 </a:tc>
+                <a:extLst>
+                  <a:ext uri="{0D108BD9-81ED-4DB2-BD59-A6C34878D82A}">
+                    <a16:rowId xmlns:a16="http://schemas.microsoft.com/office/drawing/2014/main" val="10014"/>
+                  </a:ext>
+                </a:extLst>
               </a:tr>
               <a:tr h="190500">
                 <a:tc>
@@ -8572,6 +8671,11 @@
                     </a:lnB>
                   </a:tcPr>
                 </a:tc>
+                <a:extLst>
+                  <a:ext uri="{0D108BD9-81ED-4DB2-BD59-A6C34878D82A}">
+                    <a16:rowId xmlns:a16="http://schemas.microsoft.com/office/drawing/2014/main" val="10015"/>
+                  </a:ext>
+                </a:extLst>
               </a:tr>
               <a:tr h="190500">
                 <a:tc>
@@ -8844,6 +8948,11 @@
                     </a:lnB>
                   </a:tcPr>
                 </a:tc>
+                <a:extLst>
+                  <a:ext uri="{0D108BD9-81ED-4DB2-BD59-A6C34878D82A}">
+                    <a16:rowId xmlns:a16="http://schemas.microsoft.com/office/drawing/2014/main" val="10016"/>
+                  </a:ext>
+                </a:extLst>
               </a:tr>
             </a:tbl>
           </a:graphicData>
@@ -8903,7 +9012,7 @@
           <p:cNvPr id="2" name="Title 1">
             <a:extLst>
               <a:ext uri="{FF2B5EF4-FFF2-40B4-BE49-F238E27FC236}">
-                <a16:creationId xmlns:a16="http://schemas.microsoft.com/office/drawing/2014/main" xmlns="" id="{F9A5CB5B-BDD0-5A64-1A7C-37D3C88F8F9E}"/>
+                <a16:creationId xmlns:a16="http://schemas.microsoft.com/office/drawing/2014/main" id="{F9A5CB5B-BDD0-5A64-1A7C-37D3C88F8F9E}"/>
               </a:ext>
             </a:extLst>
           </p:cNvPr>
@@ -9203,19 +9312,15 @@
           <a:lstStyle/>
           <a:p>
             <a:r>
-              <a:rPr lang="en-IN" sz="2800" b="1" dirty="0" smtClean="0"/>
+              <a:rPr lang="en-IN" sz="2800" b="1" dirty="0"/>
               <a:t>1.The final Result is most of the workers are PART –TIME Employee in DATA ANALYST .               </a:t>
             </a:r>
             <a:r>
               <a:rPr lang="en-IN" dirty="0"/>
-              <a:t> </a:t>
-            </a:r>
-            <a:r>
-              <a:rPr lang="en-IN" dirty="0" smtClean="0"/>
-              <a:t>                                                                </a:t>
-            </a:r>
-            <a:r>
-              <a:rPr lang="en-IN" sz="2800" b="1" dirty="0" smtClean="0"/>
+              <a:t>                                                                 </a:t>
+            </a:r>
+            <a:r>
+              <a:rPr lang="en-IN" sz="2800" b="1" dirty="0"/>
               <a:t>2.than the least of worker in DATA ANALYST in contract employee.                                                       3. The equal of performance in ACCOUNTING in each of part-time ; and full- time ; contract workers </a:t>
             </a:r>
             <a:r>
@@ -9490,7 +9595,7 @@
           <a:lstStyle/>
           <a:p>
             <a:r>
-              <a:rPr lang="en-US" sz="6600" dirty="0" smtClean="0"/>
+              <a:rPr lang="en-US" sz="6600" dirty="0"/>
               <a:t>Thank you……</a:t>
             </a:r>
             <a:endParaRPr lang="en-IN" sz="6600" dirty="0"/>
@@ -10434,7 +10539,7 @@
           <p:cNvPr id="23" name="TextBox 22">
             <a:extLst>
               <a:ext uri="{FF2B5EF4-FFF2-40B4-BE49-F238E27FC236}">
-                <a16:creationId xmlns:a16="http://schemas.microsoft.com/office/drawing/2014/main" xmlns="" id="{F691EEC8-E83B-8506-163B-F39E906CCC0A}"/>
+                <a16:creationId xmlns:a16="http://schemas.microsoft.com/office/drawing/2014/main" id="{F691EEC8-E83B-8506-163B-F39E906CCC0A}"/>
               </a:ext>
             </a:extLst>
           </p:cNvPr>
@@ -10465,27 +10570,7 @@
                 <a:latin typeface="Times New Roman" panose="02020603050405020304" pitchFamily="18" charset="0"/>
                 <a:cs typeface="Times New Roman" panose="02020603050405020304" pitchFamily="18" charset="0"/>
               </a:rPr>
-              <a:t>Employee </a:t>
-            </a:r>
-            <a:r>
-              <a:rPr lang="en-US" sz="4400" b="1" dirty="0" smtClean="0">
-                <a:solidFill>
-                  <a:srgbClr val="0F0F0F"/>
-                </a:solidFill>
-                <a:latin typeface="Times New Roman" panose="02020603050405020304" pitchFamily="18" charset="0"/>
-                <a:cs typeface="Times New Roman" panose="02020603050405020304" pitchFamily="18" charset="0"/>
-              </a:rPr>
-              <a:t>classification and salary Analysis </a:t>
-            </a:r>
-            <a:r>
-              <a:rPr lang="en-US" sz="4400" b="1" dirty="0">
-                <a:solidFill>
-                  <a:srgbClr val="0F0F0F"/>
-                </a:solidFill>
-                <a:latin typeface="Times New Roman" panose="02020603050405020304" pitchFamily="18" charset="0"/>
-                <a:cs typeface="Times New Roman" panose="02020603050405020304" pitchFamily="18" charset="0"/>
-              </a:rPr>
-              <a:t>using Excel</a:t>
+              <a:t>Employee classification and salary Analysis using Excel</a:t>
             </a:r>
             <a:endParaRPr lang="en-IN" sz="2800" dirty="0">
               <a:solidFill>
@@ -11710,7 +11795,7 @@
           <p:cNvPr id="23" name="TextBox 22">
             <a:extLst>
               <a:ext uri="{FF2B5EF4-FFF2-40B4-BE49-F238E27FC236}">
-                <a16:creationId xmlns:a16="http://schemas.microsoft.com/office/drawing/2014/main" xmlns="" id="{D0827FA3-A9D4-0FE5-45BE-664C8C920E82}"/>
+                <a16:creationId xmlns:a16="http://schemas.microsoft.com/office/drawing/2014/main" id="{D0827FA3-A9D4-0FE5-45BE-664C8C920E82}"/>
               </a:ext>
             </a:extLst>
           </p:cNvPr>
@@ -12185,31 +12270,31 @@
               <a:t>	</a:t>
             </a:r>
             <a:r>
-              <a:rPr sz="4250" spc="10" dirty="0" smtClean="0"/>
+              <a:rPr sz="4250" spc="10" dirty="0"/>
               <a:t>S</a:t>
             </a:r>
             <a:r>
-              <a:rPr sz="4250" spc="-370" dirty="0" smtClean="0"/>
+              <a:rPr sz="4250" spc="-370" dirty="0"/>
               <a:t>T</a:t>
             </a:r>
             <a:r>
-              <a:rPr sz="4250" spc="-375" dirty="0" smtClean="0"/>
+              <a:rPr sz="4250" spc="-375" dirty="0"/>
               <a:t>A</a:t>
             </a:r>
             <a:r>
-              <a:rPr sz="4250" spc="15" dirty="0" smtClean="0"/>
+              <a:rPr sz="4250" spc="15" dirty="0"/>
               <a:t>T</a:t>
             </a:r>
             <a:r>
-              <a:rPr sz="4250" spc="-10" dirty="0" smtClean="0"/>
+              <a:rPr sz="4250" spc="-10" dirty="0"/>
               <a:t>E</a:t>
             </a:r>
             <a:r>
-              <a:rPr sz="4250" spc="-20" dirty="0" smtClean="0"/>
+              <a:rPr sz="4250" spc="-20" dirty="0"/>
               <a:t>ME</a:t>
             </a:r>
             <a:r>
-              <a:rPr sz="4250" spc="10" dirty="0" smtClean="0"/>
+              <a:rPr sz="4250" spc="10" dirty="0"/>
               <a:t>N</a:t>
             </a:r>
             <a:r>
@@ -12301,15 +12386,15 @@
           <a:lstStyle/>
           <a:p>
             <a:r>
-              <a:rPr lang="en-IN" sz="2400" b="1" dirty="0" smtClean="0"/>
+              <a:rPr lang="en-IN" sz="2400" b="1" dirty="0"/>
               <a:t>Empl</a:t>
             </a:r>
             <a:r>
-              <a:rPr lang="en-IN" sz="2400" dirty="0" smtClean="0"/>
+              <a:rPr lang="en-IN" sz="2400" dirty="0"/>
               <a:t>o</a:t>
             </a:r>
             <a:r>
-              <a:rPr lang="en-IN" sz="2400" b="1" dirty="0" smtClean="0"/>
+              <a:rPr lang="en-IN" sz="2400" b="1" dirty="0"/>
               <a:t>yee classification and salary analysis help to each of  employee can be an classified by our department and which type of employee work in the organisation or management it provide a clear information about a employee and identify the performance  of each person</a:t>
             </a:r>
             <a:endParaRPr lang="en-IN" dirty="0"/>
@@ -12338,7 +12423,7 @@
           <a:lstStyle/>
           <a:p>
             <a:r>
-              <a:rPr lang="en-IN" sz="2400" b="1" dirty="0" smtClean="0"/>
+              <a:rPr lang="en-IN" sz="2400" b="1" dirty="0"/>
               <a:t>For example  </a:t>
             </a:r>
             <a:endParaRPr lang="en-IN" dirty="0"/>
@@ -12408,13 +12493,8 @@
           <a:p>
             <a:r>
               <a:rPr lang="en-IN" b="1" dirty="0"/>
-              <a:t>PART- </a:t>
-            </a:r>
-            <a:r>
-              <a:rPr lang="en-IN" b="1" dirty="0" smtClean="0"/>
-              <a:t>TIME AND FULL- TIME, CONTRACT</a:t>
-            </a:r>
-            <a:endParaRPr lang="en-IN" b="1" dirty="0"/>
+              <a:t>PART- TIME AND FULL- TIME, CONTRACT</a:t>
+            </a:r>
           </a:p>
         </p:txBody>
       </p:sp>
@@ -12742,7 +12822,7 @@
           <p:cNvPr id="11" name="TextBox 10">
             <a:extLst>
               <a:ext uri="{FF2B5EF4-FFF2-40B4-BE49-F238E27FC236}">
-                <a16:creationId xmlns:a16="http://schemas.microsoft.com/office/drawing/2014/main" xmlns="" id="{F050B57B-77CA-84FA-9910-3F41C17BBB48}"/>
+                <a16:creationId xmlns:a16="http://schemas.microsoft.com/office/drawing/2014/main" id="{F050B57B-77CA-84FA-9910-3F41C17BBB48}"/>
               </a:ext>
             </a:extLst>
           </p:cNvPr>
@@ -12812,18 +12892,6 @@
           <a:p>
             <a:pPr algn="just"/>
             <a:r>
-              <a:rPr lang="en-US" sz="2400" b="1" dirty="0" smtClean="0">
-                <a:effectLst>
-                  <a:outerShdw blurRad="38100" dist="38100" dir="2700000" algn="tl">
-                    <a:srgbClr val="000000">
-                      <a:alpha val="43137"/>
-                    </a:srgbClr>
-                  </a:outerShdw>
-                </a:effectLst>
-              </a:rPr>
-              <a:t>General </a:t>
-            </a:r>
-            <a:r>
               <a:rPr lang="en-US" sz="2400" b="1" dirty="0">
                 <a:effectLst>
                   <a:outerShdw blurRad="38100" dist="38100" dir="2700000" algn="tl">
@@ -12833,31 +12901,7 @@
                   </a:outerShdw>
                 </a:effectLst>
               </a:rPr>
-              <a:t>Employee analysis is a systematic process used by organizations to evaluate various aspects of their workforce. The goal is to understand employee performance, skills, needs, and overall </a:t>
-            </a:r>
-            <a:r>
-              <a:rPr lang="en-US" sz="2400" b="1" dirty="0" smtClean="0">
-                <a:effectLst>
-                  <a:outerShdw blurRad="38100" dist="38100" dir="2700000" algn="tl">
-                    <a:srgbClr val="000000">
-                      <a:alpha val="43137"/>
-                    </a:srgbClr>
-                  </a:outerShdw>
-                </a:effectLst>
-              </a:rPr>
-              <a:t>contribution </a:t>
-            </a:r>
-            <a:r>
-              <a:rPr lang="en-US" sz="2400" b="1" dirty="0">
-                <a:effectLst>
-                  <a:outerShdw blurRad="38100" dist="38100" dir="2700000" algn="tl">
-                    <a:srgbClr val="000000">
-                      <a:alpha val="43137"/>
-                    </a:srgbClr>
-                  </a:outerShdw>
-                </a:effectLst>
-              </a:rPr>
-              <a:t>to the organization</a:t>
+              <a:t>General Employee analysis is a systematic process used by organizations to evaluate various aspects of their workforce. The goal is to understand employee performance, skills, needs, and overall contribution to the organization</a:t>
             </a:r>
             <a:endParaRPr lang="en-IN" sz="2400" b="1" dirty="0">
               <a:effectLst>
@@ -12941,7 +12985,7 @@
           <a:lstStyle/>
           <a:p>
             <a:r>
-              <a:rPr lang="en-US" sz="2400" b="1" dirty="0" smtClean="0"/>
+              <a:rPr lang="en-US" sz="2400" b="1" dirty="0"/>
               <a:t>Data collection </a:t>
             </a:r>
             <a:endParaRPr lang="en-IN" sz="2400" dirty="0"/>
@@ -12970,7 +13014,7 @@
           <a:lstStyle/>
           <a:p>
             <a:r>
-              <a:rPr lang="en-US" sz="2400" b="1" dirty="0" smtClean="0"/>
+              <a:rPr lang="en-US" sz="2400" b="1" dirty="0"/>
               <a:t>Data cleaning </a:t>
             </a:r>
             <a:endParaRPr lang="en-IN" dirty="0"/>
@@ -13523,12 +13567,8 @@
           <a:lstStyle/>
           <a:p>
             <a:r>
-              <a:rPr lang="en-IN" sz="3600" b="1" dirty="0" smtClean="0"/>
-              <a:t>Industrial </a:t>
-            </a:r>
-            <a:r>
               <a:rPr lang="en-IN" sz="3600" b="1" dirty="0"/>
-              <a:t>sector</a:t>
+              <a:t>Industrial sector</a:t>
             </a:r>
           </a:p>
         </p:txBody>
@@ -13561,21 +13601,8 @@
                   <a:prstClr val="black"/>
                 </a:solidFill>
               </a:rPr>
-              <a:t>Employee </a:t>
-            </a:r>
-            <a:r>
-              <a:rPr lang="en-IN" sz="3200" b="1" dirty="0" smtClean="0">
-                <a:solidFill>
-                  <a:prstClr val="black"/>
-                </a:solidFill>
-              </a:rPr>
-              <a:t>and employer</a:t>
-            </a:r>
-            <a:endParaRPr lang="en-IN" sz="3200" b="1" dirty="0">
-              <a:solidFill>
-                <a:prstClr val="black"/>
-              </a:solidFill>
-            </a:endParaRPr>
+              <a:t>Employee and employer</a:t>
+            </a:r>
           </a:p>
         </p:txBody>
       </p:sp>
@@ -13601,10 +13628,9 @@
           <a:lstStyle/>
           <a:p>
             <a:r>
-              <a:rPr lang="en-IN" sz="3200" b="1" dirty="0" smtClean="0"/>
+              <a:rPr lang="en-IN" sz="3200" b="1" dirty="0"/>
               <a:t>IT sector</a:t>
             </a:r>
-            <a:endParaRPr lang="en-IN" sz="3200" b="1" dirty="0"/>
           </a:p>
         </p:txBody>
       </p:sp>
@@ -13658,11 +13684,11 @@
           <a:lstStyle/>
           <a:p>
             <a:r>
-              <a:rPr lang="en-IN" sz="3200" b="1" dirty="0" smtClean="0"/>
+              <a:rPr lang="en-IN" sz="3200" b="1" dirty="0"/>
               <a:t>Managemen</a:t>
             </a:r>
             <a:r>
-              <a:rPr lang="en-IN" sz="3200" dirty="0" smtClean="0"/>
+              <a:rPr lang="en-IN" sz="3200" dirty="0"/>
               <a:t>t</a:t>
             </a:r>
             <a:endParaRPr lang="en-IN" dirty="0"/>
@@ -14367,7 +14393,7 @@
           <a:lstStyle/>
           <a:p>
             <a:r>
-              <a:rPr lang="en-US" sz="3200" b="1" dirty="0" smtClean="0"/>
+              <a:rPr lang="en-US" sz="3200" b="1" dirty="0"/>
               <a:t>Pivot Table </a:t>
             </a:r>
             <a:r>
@@ -14404,20 +14430,12 @@
           <a:lstStyle/>
           <a:p>
             <a:r>
-              <a:rPr lang="en-US" sz="3200" b="1" dirty="0" smtClean="0"/>
+              <a:rPr lang="en-US" sz="3200" b="1" dirty="0"/>
               <a:t>Bar Chart</a:t>
             </a:r>
             <a:r>
-              <a:rPr lang="en-US" sz="2400" b="1" dirty="0" smtClean="0"/>
-              <a:t>: </a:t>
-            </a:r>
-            <a:r>
               <a:rPr lang="en-US" sz="2400" b="1" dirty="0"/>
-              <a:t>Graphics in Excel enhance data presentation and help visualize trends, patterns, and </a:t>
-            </a:r>
-            <a:r>
-              <a:rPr lang="en-US" sz="2400" b="1" dirty="0" smtClean="0"/>
-              <a:t>comparisons.</a:t>
+              <a:t>: Graphics in Excel enhance data presentation and help visualize trends, patterns, and comparisons.</a:t>
             </a:r>
             <a:endParaRPr lang="en-IN" sz="2400" b="1" dirty="0"/>
           </a:p>
@@ -14453,7 +14471,7 @@
           <p:cNvPr id="2" name="Title 1">
             <a:extLst>
               <a:ext uri="{FF2B5EF4-FFF2-40B4-BE49-F238E27FC236}">
-                <a16:creationId xmlns:a16="http://schemas.microsoft.com/office/drawing/2014/main" xmlns="" id="{6E06195E-16D6-79D8-7A9F-F8EB1FE9E212}"/>
+                <a16:creationId xmlns:a16="http://schemas.microsoft.com/office/drawing/2014/main" id="{6E06195E-16D6-79D8-7A9F-F8EB1FE9E212}"/>
               </a:ext>
             </a:extLst>
           </p:cNvPr>
@@ -14498,31 +14516,31 @@
           <a:lstStyle/>
           <a:p>
             <a:r>
-              <a:rPr lang="en-US" sz="2800" b="1" dirty="0" smtClean="0"/>
+              <a:rPr lang="en-US" sz="2800" b="1" dirty="0"/>
               <a:t>Employee data set – </a:t>
             </a:r>
             <a:r>
-              <a:rPr lang="en-US" sz="2800" b="1" dirty="0" err="1" smtClean="0"/>
+              <a:rPr lang="en-US" sz="2800" b="1" dirty="0" err="1"/>
               <a:t>kaggle</a:t>
             </a:r>
             <a:r>
-              <a:rPr lang="en-US" sz="2800" b="1" dirty="0" smtClean="0"/>
+              <a:rPr lang="en-US" sz="2800" b="1" dirty="0"/>
               <a:t>                Total features 26                                                          1.Gender –female and male                           2.State – </a:t>
             </a:r>
             <a:r>
-              <a:rPr lang="en-US" sz="2800" b="1" dirty="0" err="1" smtClean="0"/>
+              <a:rPr lang="en-US" sz="2800" b="1" dirty="0" err="1"/>
               <a:t>TN,AP,etc</a:t>
             </a:r>
             <a:r>
-              <a:rPr lang="en-US" sz="2800" b="1" dirty="0" smtClean="0"/>
+              <a:rPr lang="en-US" sz="2800" b="1" dirty="0"/>
               <a:t>                                         3.Classification of employee –           Part-time ,Full-time ,Contract.                       4.Departments – Accounting, IT, Sales manager </a:t>
             </a:r>
             <a:r>
-              <a:rPr lang="en-US" sz="2800" b="1" dirty="0" err="1" smtClean="0"/>
+              <a:rPr lang="en-US" sz="2800" b="1" dirty="0" err="1"/>
               <a:t>ect</a:t>
             </a:r>
             <a:r>
-              <a:rPr lang="en-US" sz="2800" b="1" dirty="0" smtClean="0"/>
+              <a:rPr lang="en-US" sz="2800" b="1" dirty="0"/>
               <a:t>… </a:t>
             </a:r>
             <a:endParaRPr lang="en-IN" sz="2800" b="1" dirty="0"/>
@@ -15036,7 +15054,7 @@
           <p:cNvPr id="9" name="TextBox 8">
             <a:extLst>
               <a:ext uri="{FF2B5EF4-FFF2-40B4-BE49-F238E27FC236}">
-                <a16:creationId xmlns:a16="http://schemas.microsoft.com/office/drawing/2014/main" xmlns="" id="{FAD9CEB2-36E1-0550-426B-2FAF97882044}"/>
+                <a16:creationId xmlns:a16="http://schemas.microsoft.com/office/drawing/2014/main" id="{FAD9CEB2-36E1-0550-426B-2FAF97882044}"/>
               </a:ext>
             </a:extLst>
           </p:cNvPr>
@@ -15075,7 +15093,7 @@
           <a:p>
             <a:pPr algn="ctr"/>
             <a:r>
-              <a:rPr lang="en-US" sz="3600" b="1" dirty="0" smtClean="0">
+              <a:rPr lang="en-US" sz="3600" b="1" dirty="0">
                 <a:latin typeface="Times New Roman" panose="02020603050405020304" pitchFamily="18" charset="0"/>
                 <a:cs typeface="Times New Roman" panose="02020603050405020304" pitchFamily="18" charset="0"/>
               </a:rPr>
@@ -15086,17 +15104,10 @@
                 <a:latin typeface="Times New Roman" panose="02020603050405020304" pitchFamily="18" charset="0"/>
                 <a:cs typeface="Times New Roman" panose="02020603050405020304" pitchFamily="18" charset="0"/>
               </a:rPr>
-              <a:t>E</a:t>
-            </a:r>
-            <a:r>
-              <a:rPr lang="en-US" sz="3600" b="1" dirty="0" err="1" smtClean="0">
-                <a:latin typeface="Times New Roman" panose="02020603050405020304" pitchFamily="18" charset="0"/>
-                <a:cs typeface="Times New Roman" panose="02020603050405020304" pitchFamily="18" charset="0"/>
-              </a:rPr>
-              <a:t>ct</a:t>
-            </a:r>
-            <a:r>
-              <a:rPr lang="en-US" sz="3600" b="1" dirty="0" smtClean="0">
+              <a:t>Ect</a:t>
+            </a:r>
+            <a:r>
+              <a:rPr lang="en-US" sz="3600" b="1" dirty="0">
                 <a:latin typeface="Times New Roman" panose="02020603050405020304" pitchFamily="18" charset="0"/>
                 <a:cs typeface="Times New Roman" panose="02020603050405020304" pitchFamily="18" charset="0"/>
               </a:rPr>
@@ -15689,7 +15700,7 @@
   <a:extraClrSchemeLst/>
   <a:extLst>
     <a:ext uri="{05A4C25C-085E-4340-85A3-A5531E510DB2}">
-      <thm15:themeFamily xmlns:thm15="http://schemas.microsoft.com/office/thememl/2012/main" xmlns="" name="Office Theme" id="{62F939B6-93AF-4DB8-9C6B-D6C7DFDC589F}" vid="{4A3C46E8-61CC-4603-A589-7422A47A8E4A}"/>
+      <thm15:themeFamily xmlns:thm15="http://schemas.microsoft.com/office/thememl/2012/main" name="Office Theme" id="{62F939B6-93AF-4DB8-9C6B-D6C7DFDC589F}" vid="{4A3C46E8-61CC-4603-A589-7422A47A8E4A}"/>
     </a:ext>
   </a:extLst>
 </a:theme>
